--- a/docs/Tech Challenge Fase 3/Desenho da Solução Tech Challenge - Fase 3 v1.pptx
+++ b/docs/Tech Challenge Fase 3/Desenho da Solução Tech Challenge - Fase 3 v1.pptx
@@ -4890,7 +4890,7 @@
             <a:pPr rtl="0"/>
             <a:fld id="{A517C7B7-34F5-4531-9889-28687F60FAC8}" type="datetime1">
               <a:rPr lang="pt-BR" smtClean="0"/>
-              <a:t>07/09/2024</a:t>
+              <a:t>28/09/2024</a:t>
             </a:fld>
             <a:endParaRPr lang="pt-BR" dirty="0"/>
           </a:p>
@@ -5071,7 +5071,7 @@
             <a:fld id="{40C3EC75-555C-481D-9088-738CE6DDFC83}" type="datetime1">
               <a:rPr lang="pt-BR" smtClean="0"/>
               <a:pPr/>
-              <a:t>07/09/2024</a:t>
+              <a:t>28/09/2024</a:t>
             </a:fld>
             <a:endParaRPr lang="pt-BR" dirty="0"/>
           </a:p>
@@ -6876,7 +6876,7 @@
             <a:pPr rtl="0"/>
             <a:fld id="{2AF5B136-74F1-42D3-987D-A097EEF8F2FE}" type="datetime1">
               <a:rPr lang="pt-BR" noProof="0" smtClean="0"/>
-              <a:t>07/09/2024</a:t>
+              <a:t>28/09/2024</a:t>
             </a:fld>
             <a:endParaRPr lang="pt-BR" noProof="0"/>
           </a:p>
@@ -7141,7 +7141,7 @@
             <a:pPr rtl="0"/>
             <a:fld id="{0229B074-15EB-43FB-8347-3A734D799093}" type="datetime1">
               <a:rPr lang="pt-BR" noProof="0" smtClean="0"/>
-              <a:t>07/09/2024</a:t>
+              <a:t>28/09/2024</a:t>
             </a:fld>
             <a:endParaRPr lang="pt-BR" noProof="0"/>
           </a:p>
@@ -7379,7 +7379,7 @@
             <a:pPr rtl="0"/>
             <a:fld id="{036303E3-8DE9-4C2D-91EE-6F377AE582A8}" type="datetime1">
               <a:rPr lang="pt-BR" noProof="0" smtClean="0"/>
-              <a:t>07/09/2024</a:t>
+              <a:t>28/09/2024</a:t>
             </a:fld>
             <a:endParaRPr lang="pt-BR" noProof="0"/>
           </a:p>
@@ -7622,7 +7622,7 @@
             <a:pPr rtl="0"/>
             <a:fld id="{B04AF3F4-81C7-4F15-8991-6D0E8D06651A}" type="datetime1">
               <a:rPr lang="pt-BR" noProof="0" smtClean="0"/>
-              <a:t>07/09/2024</a:t>
+              <a:t>28/09/2024</a:t>
             </a:fld>
             <a:endParaRPr lang="pt-BR" noProof="0"/>
           </a:p>
@@ -7933,7 +7933,7 @@
             <a:pPr rtl="0"/>
             <a:fld id="{6E2946E4-8964-43BF-B1D5-4261B83248E5}" type="datetime1">
               <a:rPr lang="pt-BR" noProof="0" smtClean="0"/>
-              <a:t>07/09/2024</a:t>
+              <a:t>28/09/2024</a:t>
             </a:fld>
             <a:endParaRPr lang="pt-BR" noProof="0"/>
           </a:p>
@@ -8237,7 +8237,7 @@
             <a:pPr rtl="0"/>
             <a:fld id="{97C9F420-083C-437A-9265-7F13EB97C6A2}" type="datetime1">
               <a:rPr lang="pt-BR" noProof="0" smtClean="0"/>
-              <a:t>07/09/2024</a:t>
+              <a:t>28/09/2024</a:t>
             </a:fld>
             <a:endParaRPr lang="pt-BR" noProof="0"/>
           </a:p>
@@ -8661,7 +8661,7 @@
             <a:pPr rtl="0"/>
             <a:fld id="{BE07AF20-ED70-4B21-B799-75BB5818AB43}" type="datetime1">
               <a:rPr lang="pt-BR" noProof="0" smtClean="0"/>
-              <a:t>07/09/2024</a:t>
+              <a:t>28/09/2024</a:t>
             </a:fld>
             <a:endParaRPr lang="pt-BR" noProof="0"/>
           </a:p>
@@ -8760,7 +8760,7 @@
             <a:pPr rtl="0"/>
             <a:fld id="{0D33D876-8C34-42FC-BFF7-457557B97BB7}" type="datetime1">
               <a:rPr lang="pt-BR" noProof="0" smtClean="0"/>
-              <a:t>07/09/2024</a:t>
+              <a:t>28/09/2024</a:t>
             </a:fld>
             <a:endParaRPr lang="pt-BR" noProof="0"/>
           </a:p>
@@ -8926,7 +8926,7 @@
             <a:pPr rtl="0"/>
             <a:fld id="{4592437E-206F-4A1C-947F-806A50A40B88}" type="datetime1">
               <a:rPr lang="pt-BR" noProof="0" smtClean="0"/>
-              <a:t>07/09/2024</a:t>
+              <a:t>28/09/2024</a:t>
             </a:fld>
             <a:endParaRPr lang="pt-BR" noProof="0"/>
           </a:p>
@@ -9307,7 +9307,7 @@
             <a:pPr rtl="0"/>
             <a:fld id="{B036DDBC-F1EF-4D09-A533-5995BC167053}" type="datetime1">
               <a:rPr lang="pt-BR" noProof="0" smtClean="0"/>
-              <a:t>07/09/2024</a:t>
+              <a:t>28/09/2024</a:t>
             </a:fld>
             <a:endParaRPr lang="pt-BR" noProof="0"/>
           </a:p>
@@ -9600,7 +9600,7 @@
             <a:pPr rtl="0"/>
             <a:fld id="{DFFDDC01-A1CF-4C3A-BE96-FBC60101324D}" type="datetime1">
               <a:rPr lang="pt-BR" noProof="0" smtClean="0"/>
-              <a:t>07/09/2024</a:t>
+              <a:t>28/09/2024</a:t>
             </a:fld>
             <a:endParaRPr lang="pt-BR" noProof="0"/>
           </a:p>
@@ -9814,7 +9814,7 @@
             <a:pPr rtl="0"/>
             <a:fld id="{52266794-2CD5-4ED3-94F8-8B8DC65FDDE3}" type="datetime1">
               <a:rPr lang="pt-BR" noProof="0" smtClean="0"/>
-              <a:t>07/09/2024</a:t>
+              <a:t>28/09/2024</a:t>
             </a:fld>
             <a:endParaRPr lang="pt-BR" noProof="0"/>
           </a:p>
@@ -16148,7 +16148,11 @@
             </a:r>
             <a:r>
               <a:rPr lang="pt-BR" dirty="0"/>
-              <a:t> fase 2</a:t>
+              <a:t> </a:t>
+            </a:r>
+            <a:r>
+              <a:rPr lang="pt-BR"/>
+              <a:t>fase 3</a:t>
             </a:r>
             <a:br>
               <a:rPr lang="pt-BR" dirty="0"/>
